--- a/presentation/C_projectPresentation.pptx
+++ b/presentation/C_projectPresentation.pptx
@@ -322,7 +322,7 @@
           <a:p>
             <a:fld id="{E83923B9-36BE-4B5E-8B84-7625168959C5}" type="datetimeFigureOut">
               <a:rPr lang="en-IN" smtClean="0"/>
-              <a:t>02-12-2025</a:t>
+              <a:t>03-12-2025</a:t>
             </a:fld>
             <a:endParaRPr lang="en-IN"/>
           </a:p>
@@ -492,7 +492,7 @@
           <a:p>
             <a:fld id="{E83923B9-36BE-4B5E-8B84-7625168959C5}" type="datetimeFigureOut">
               <a:rPr lang="en-IN" smtClean="0"/>
-              <a:t>02-12-2025</a:t>
+              <a:t>03-12-2025</a:t>
             </a:fld>
             <a:endParaRPr lang="en-IN"/>
           </a:p>
@@ -672,7 +672,7 @@
           <a:p>
             <a:fld id="{E83923B9-36BE-4B5E-8B84-7625168959C5}" type="datetimeFigureOut">
               <a:rPr lang="en-IN" smtClean="0"/>
-              <a:t>02-12-2025</a:t>
+              <a:t>03-12-2025</a:t>
             </a:fld>
             <a:endParaRPr lang="en-IN"/>
           </a:p>
@@ -842,7 +842,7 @@
           <a:p>
             <a:fld id="{E83923B9-36BE-4B5E-8B84-7625168959C5}" type="datetimeFigureOut">
               <a:rPr lang="en-IN" smtClean="0"/>
-              <a:t>02-12-2025</a:t>
+              <a:t>03-12-2025</a:t>
             </a:fld>
             <a:endParaRPr lang="en-IN"/>
           </a:p>
@@ -1110,7 +1110,7 @@
           <a:p>
             <a:fld id="{E83923B9-36BE-4B5E-8B84-7625168959C5}" type="datetimeFigureOut">
               <a:rPr lang="en-IN" smtClean="0"/>
-              <a:t>02-12-2025</a:t>
+              <a:t>03-12-2025</a:t>
             </a:fld>
             <a:endParaRPr lang="en-IN"/>
           </a:p>
@@ -1342,7 +1342,7 @@
           <a:p>
             <a:fld id="{E83923B9-36BE-4B5E-8B84-7625168959C5}" type="datetimeFigureOut">
               <a:rPr lang="en-IN" smtClean="0"/>
-              <a:t>02-12-2025</a:t>
+              <a:t>03-12-2025</a:t>
             </a:fld>
             <a:endParaRPr lang="en-IN"/>
           </a:p>
@@ -1701,7 +1701,7 @@
           <a:p>
             <a:fld id="{E83923B9-36BE-4B5E-8B84-7625168959C5}" type="datetimeFigureOut">
               <a:rPr lang="en-IN" smtClean="0"/>
-              <a:t>02-12-2025</a:t>
+              <a:t>03-12-2025</a:t>
             </a:fld>
             <a:endParaRPr lang="en-IN"/>
           </a:p>
@@ -1842,7 +1842,7 @@
           <a:p>
             <a:fld id="{E83923B9-36BE-4B5E-8B84-7625168959C5}" type="datetimeFigureOut">
               <a:rPr lang="en-IN" smtClean="0"/>
-              <a:t>02-12-2025</a:t>
+              <a:t>03-12-2025</a:t>
             </a:fld>
             <a:endParaRPr lang="en-IN"/>
           </a:p>
@@ -1937,7 +1937,7 @@
           <a:p>
             <a:fld id="{E83923B9-36BE-4B5E-8B84-7625168959C5}" type="datetimeFigureOut">
               <a:rPr lang="en-IN" smtClean="0"/>
-              <a:t>02-12-2025</a:t>
+              <a:t>03-12-2025</a:t>
             </a:fld>
             <a:endParaRPr lang="en-IN"/>
           </a:p>
@@ -2294,7 +2294,7 @@
           <a:p>
             <a:fld id="{E83923B9-36BE-4B5E-8B84-7625168959C5}" type="datetimeFigureOut">
               <a:rPr lang="en-IN" smtClean="0"/>
-              <a:t>02-12-2025</a:t>
+              <a:t>03-12-2025</a:t>
             </a:fld>
             <a:endParaRPr lang="en-IN"/>
           </a:p>
@@ -2651,7 +2651,7 @@
           <a:p>
             <a:fld id="{E83923B9-36BE-4B5E-8B84-7625168959C5}" type="datetimeFigureOut">
               <a:rPr lang="en-IN" smtClean="0"/>
-              <a:t>02-12-2025</a:t>
+              <a:t>03-12-2025</a:t>
             </a:fld>
             <a:endParaRPr lang="en-IN"/>
           </a:p>
@@ -2893,7 +2893,7 @@
           <a:p>
             <a:fld id="{E83923B9-36BE-4B5E-8B84-7625168959C5}" type="datetimeFigureOut">
               <a:rPr lang="en-IN" smtClean="0"/>
-              <a:t>02-12-2025</a:t>
+              <a:t>03-12-2025</a:t>
             </a:fld>
             <a:endParaRPr lang="en-IN"/>
           </a:p>
@@ -5534,14 +5534,11 @@
             </a:br>
             <a:r>
               <a:rPr lang="en-US" sz="2000" dirty="0"/>
-              <a:t>• Input validation</a:t>
-            </a:r>
-            <a:br>
-              <a:rPr lang="en-US" sz="2000" dirty="0"/>
-            </a:br>
-            <a:r>
-              <a:rPr lang="en-US" sz="2000" dirty="0"/>
-              <a:t>• Modular programming</a:t>
+              <a:t>• Dynamic </a:t>
+            </a:r>
+            <a:r>
+              <a:rPr lang="en-US" sz="2000"/>
+              <a:t>Memory Allocation</a:t>
             </a:r>
             <a:br>
               <a:rPr lang="en-US" sz="2000" dirty="0"/>
